--- a/쉽게 배우는 역전파 학습법.pptx
+++ b/쉽게 배우는 역전파 학습법.pptx
@@ -21,19 +21,17 @@
     <p:sldId id="287" r:id="rId15"/>
     <p:sldId id="288" r:id="rId16"/>
     <p:sldId id="289" r:id="rId17"/>
-    <p:sldId id="290" r:id="rId18"/>
-    <p:sldId id="291" r:id="rId19"/>
-    <p:sldId id="296" r:id="rId20"/>
-    <p:sldId id="297" r:id="rId21"/>
-    <p:sldId id="298" r:id="rId22"/>
-    <p:sldId id="299" r:id="rId23"/>
-    <p:sldId id="302" r:id="rId24"/>
-    <p:sldId id="304" r:id="rId25"/>
-    <p:sldId id="303" r:id="rId26"/>
-    <p:sldId id="305" r:id="rId27"/>
-    <p:sldId id="306" r:id="rId28"/>
-    <p:sldId id="307" r:id="rId29"/>
-    <p:sldId id="267" r:id="rId30"/>
+    <p:sldId id="291" r:id="rId18"/>
+    <p:sldId id="290" r:id="rId19"/>
+    <p:sldId id="302" r:id="rId20"/>
+    <p:sldId id="304" r:id="rId21"/>
+    <p:sldId id="303" r:id="rId22"/>
+    <p:sldId id="307" r:id="rId23"/>
+    <p:sldId id="296" r:id="rId24"/>
+    <p:sldId id="297" r:id="rId25"/>
+    <p:sldId id="298" r:id="rId26"/>
+    <p:sldId id="299" r:id="rId27"/>
+    <p:sldId id="267" r:id="rId28"/>
   </p:sldIdLst>
   <p:sldSz cx="18288000" cy="10287000"/>
   <p:notesSz cx="10287000" cy="18288000"/>
@@ -3583,7 +3581,16 @@
                 </a:solidFill>
                 <a:latin typeface="Pretendard" pitchFamily="34" charset="0"/>
               </a:rPr>
-              <a:t>의존성이 있는 함수의 계산</a:t>
+              <a:t>동적 계획법 </a:t>
+            </a:r>
+            <a:r>
+              <a:rPr lang="en-US" altLang="ko-KR" sz="4800" kern="0" spc="-100" dirty="0">
+                <a:solidFill>
+                  <a:srgbClr val="11359A"/>
+                </a:solidFill>
+                <a:latin typeface="Pretendard" pitchFamily="34" charset="0"/>
+              </a:rPr>
+              <a:t>Dynamic Programming</a:t>
             </a:r>
             <a:endParaRPr lang="en-US" sz="4800" dirty="0"/>
           </a:p>
@@ -4830,22 +4837,31 @@
           <a:p>
             <a:pPr algn="ctr"/>
             <a:r>
-              <a:rPr lang="ko-KR" altLang="en-US" sz="4800" kern="0" spc="-100" dirty="0">
+              <a:rPr lang="ko-KR" altLang="en-US" sz="4800" kern="0" spc="-100" dirty="0" err="1">
                 <a:solidFill>
                   <a:srgbClr val="11359A"/>
                 </a:solidFill>
                 <a:latin typeface="Pretendard" pitchFamily="34" charset="0"/>
               </a:rPr>
-              <a:t>순방향 추론 </a:t>
-            </a:r>
-            <a:r>
-              <a:rPr lang="en-US" altLang="ko-KR" sz="4800" kern="0" spc="-100" dirty="0">
+              <a:t>역전파</a:t>
+            </a:r>
+            <a:r>
+              <a:rPr lang="ko-KR" altLang="en-US" sz="4800" kern="0" spc="-100" dirty="0">
                 <a:solidFill>
                   <a:srgbClr val="11359A"/>
                 </a:solidFill>
                 <a:latin typeface="Pretendard" pitchFamily="34" charset="0"/>
               </a:rPr>
-              <a:t>Forward Inference</a:t>
+              <a:t> 학습법 </a:t>
+            </a:r>
+            <a:r>
+              <a:rPr lang="en-US" altLang="ko-KR" sz="4800" kern="0" spc="-100" dirty="0">
+                <a:solidFill>
+                  <a:srgbClr val="11359A"/>
+                </a:solidFill>
+                <a:latin typeface="Pretendard" pitchFamily="34" charset="0"/>
+              </a:rPr>
+              <a:t>Back-Propagation</a:t>
             </a:r>
             <a:endParaRPr lang="en-US" sz="4800" dirty="0"/>
           </a:p>
@@ -4889,10 +4905,10 @@
       </p:sp>
       <p:pic>
         <p:nvPicPr>
-          <p:cNvPr id="3" name="그림 2">
+          <p:cNvPr id="4" name="그림 3">
             <a:extLst>
               <a:ext uri="{FF2B5EF4-FFF2-40B4-BE49-F238E27FC236}">
-                <a16:creationId xmlns:a16="http://schemas.microsoft.com/office/drawing/2014/main" id="{2DFD7A30-D230-4138-7C33-D7BE3AC5C738}"/>
+                <a16:creationId xmlns:a16="http://schemas.microsoft.com/office/drawing/2014/main" id="{1223AB41-AF52-666D-B600-80AF0A536029}"/>
               </a:ext>
             </a:extLst>
           </p:cNvPr>
@@ -4909,8 +4925,8 @@
         </p:blipFill>
         <p:spPr>
           <a:xfrm>
-            <a:off x="3814799" y="3376944"/>
-            <a:ext cx="10658399" cy="5586471"/>
+            <a:off x="3824977" y="3607836"/>
+            <a:ext cx="10638044" cy="5124687"/>
           </a:xfrm>
           <a:prstGeom prst="rect">
             <a:avLst/>
@@ -4920,7 +4936,7 @@
     </p:spTree>
     <p:extLst>
       <p:ext uri="{BB962C8B-B14F-4D97-AF65-F5344CB8AC3E}">
-        <p14:creationId xmlns:p14="http://schemas.microsoft.com/office/powerpoint/2010/main" val="705094300"/>
+        <p14:creationId xmlns:p14="http://schemas.microsoft.com/office/powerpoint/2010/main" val="1366466490"/>
       </p:ext>
     </p:extLst>
   </p:cSld>
@@ -5018,31 +5034,22 @@
           <a:p>
             <a:pPr algn="ctr"/>
             <a:r>
-              <a:rPr lang="ko-KR" altLang="en-US" sz="4800" kern="0" spc="-100" dirty="0" err="1">
+              <a:rPr lang="ko-KR" altLang="en-US" sz="4800" kern="0" spc="-100" dirty="0">
                 <a:solidFill>
                   <a:srgbClr val="11359A"/>
                 </a:solidFill>
                 <a:latin typeface="Pretendard" pitchFamily="34" charset="0"/>
               </a:rPr>
-              <a:t>역전파</a:t>
-            </a:r>
-            <a:r>
-              <a:rPr lang="ko-KR" altLang="en-US" sz="4800" kern="0" spc="-100" dirty="0">
+              <a:t>순방향 추론 </a:t>
+            </a:r>
+            <a:r>
+              <a:rPr lang="en-US" altLang="ko-KR" sz="4800" kern="0" spc="-100" dirty="0">
                 <a:solidFill>
                   <a:srgbClr val="11359A"/>
                 </a:solidFill>
                 <a:latin typeface="Pretendard" pitchFamily="34" charset="0"/>
               </a:rPr>
-              <a:t> 학습법 </a:t>
-            </a:r>
-            <a:r>
-              <a:rPr lang="en-US" altLang="ko-KR" sz="4800" kern="0" spc="-100" dirty="0">
-                <a:solidFill>
-                  <a:srgbClr val="11359A"/>
-                </a:solidFill>
-                <a:latin typeface="Pretendard" pitchFamily="34" charset="0"/>
-              </a:rPr>
-              <a:t>Back-Propagation</a:t>
+              <a:t>Forward Inference</a:t>
             </a:r>
             <a:endParaRPr lang="en-US" sz="4800" dirty="0"/>
           </a:p>
@@ -5086,10 +5093,10 @@
       </p:sp>
       <p:pic>
         <p:nvPicPr>
-          <p:cNvPr id="4" name="그림 3">
+          <p:cNvPr id="3" name="그림 2">
             <a:extLst>
               <a:ext uri="{FF2B5EF4-FFF2-40B4-BE49-F238E27FC236}">
-                <a16:creationId xmlns:a16="http://schemas.microsoft.com/office/drawing/2014/main" id="{1223AB41-AF52-666D-B600-80AF0A536029}"/>
+                <a16:creationId xmlns:a16="http://schemas.microsoft.com/office/drawing/2014/main" id="{2DFD7A30-D230-4138-7C33-D7BE3AC5C738}"/>
               </a:ext>
             </a:extLst>
           </p:cNvPr>
@@ -5106,8 +5113,8 @@
         </p:blipFill>
         <p:spPr>
           <a:xfrm>
-            <a:off x="3824977" y="3607836"/>
-            <a:ext cx="10638044" cy="5124687"/>
+            <a:off x="3814799" y="3376944"/>
+            <a:ext cx="10658399" cy="5586471"/>
           </a:xfrm>
           <a:prstGeom prst="rect">
             <a:avLst/>
@@ -5117,7 +5124,7 @@
     </p:spTree>
     <p:extLst>
       <p:ext uri="{BB962C8B-B14F-4D97-AF65-F5344CB8AC3E}">
-        <p14:creationId xmlns:p14="http://schemas.microsoft.com/office/powerpoint/2010/main" val="1366466490"/>
+        <p14:creationId xmlns:p14="http://schemas.microsoft.com/office/powerpoint/2010/main" val="705094300"/>
       </p:ext>
     </p:extLst>
   </p:cSld>
@@ -5215,22 +5222,13 @@
           <a:p>
             <a:pPr algn="ctr"/>
             <a:r>
-              <a:rPr lang="ko-KR" altLang="en-US" sz="4800" kern="0" spc="-100" dirty="0" err="1">
+              <a:rPr lang="ko-KR" altLang="en-US" sz="4800" kern="0" spc="-100" dirty="0">
                 <a:solidFill>
                   <a:srgbClr val="11359A"/>
                 </a:solidFill>
                 <a:latin typeface="Pretendard" pitchFamily="34" charset="0"/>
               </a:rPr>
-              <a:t>역전파</a:t>
-            </a:r>
-            <a:r>
-              <a:rPr lang="ko-KR" altLang="en-US" sz="4800" kern="0" spc="-100" dirty="0">
-                <a:solidFill>
-                  <a:srgbClr val="11359A"/>
-                </a:solidFill>
-                <a:latin typeface="Pretendard" pitchFamily="34" charset="0"/>
-              </a:rPr>
-              <a:t> 학습법의 필요성</a:t>
+              <a:t>합성 함수로서의 심층 신경망</a:t>
             </a:r>
             <a:endParaRPr lang="en-US" sz="4800" dirty="0"/>
           </a:p>
@@ -5277,7 +5275,7 @@
           <p:cNvPr id="3" name="그림 2">
             <a:extLst>
               <a:ext uri="{FF2B5EF4-FFF2-40B4-BE49-F238E27FC236}">
-                <a16:creationId xmlns:a16="http://schemas.microsoft.com/office/drawing/2014/main" id="{5F434AB6-FAB5-AABA-8A26-7A60BC2D50FF}"/>
+                <a16:creationId xmlns:a16="http://schemas.microsoft.com/office/drawing/2014/main" id="{B8746C1E-BFE1-61E8-15BB-A80864937112}"/>
               </a:ext>
             </a:extLst>
           </p:cNvPr>
@@ -5294,68 +5292,8 @@
         </p:blipFill>
         <p:spPr>
           <a:xfrm>
-            <a:off x="3478799" y="5430051"/>
-            <a:ext cx="5715000" cy="2092449"/>
-          </a:xfrm>
-          <a:prstGeom prst="rect">
-            <a:avLst/>
-          </a:prstGeom>
-        </p:spPr>
-      </p:pic>
-      <p:pic>
-        <p:nvPicPr>
-          <p:cNvPr id="6" name="그림 5">
-            <a:extLst>
-              <a:ext uri="{FF2B5EF4-FFF2-40B4-BE49-F238E27FC236}">
-                <a16:creationId xmlns:a16="http://schemas.microsoft.com/office/drawing/2014/main" id="{14588AE5-CE1B-F376-0383-6E487CF15CE4}"/>
-              </a:ext>
-            </a:extLst>
-          </p:cNvPr>
-          <p:cNvPicPr>
-            <a:picLocks noChangeAspect="1"/>
-          </p:cNvPicPr>
-          <p:nvPr/>
-        </p:nvPicPr>
-        <p:blipFill>
-          <a:blip r:embed="rId4"/>
-          <a:stretch>
-            <a:fillRect/>
-          </a:stretch>
-        </p:blipFill>
-        <p:spPr>
-          <a:xfrm>
-            <a:off x="9677400" y="3625542"/>
-            <a:ext cx="5424692" cy="5654402"/>
-          </a:xfrm>
-          <a:prstGeom prst="rect">
-            <a:avLst/>
-          </a:prstGeom>
-        </p:spPr>
-      </p:pic>
-      <p:pic>
-        <p:nvPicPr>
-          <p:cNvPr id="8" name="그림 7">
-            <a:extLst>
-              <a:ext uri="{FF2B5EF4-FFF2-40B4-BE49-F238E27FC236}">
-                <a16:creationId xmlns:a16="http://schemas.microsoft.com/office/drawing/2014/main" id="{5F7B31EF-71F4-9A06-0ED4-60EB4534042A}"/>
-              </a:ext>
-            </a:extLst>
-          </p:cNvPr>
-          <p:cNvPicPr>
-            <a:picLocks noChangeAspect="1"/>
-          </p:cNvPicPr>
-          <p:nvPr/>
-        </p:nvPicPr>
-        <p:blipFill>
-          <a:blip r:embed="rId5"/>
-          <a:stretch>
-            <a:fillRect/>
-          </a:stretch>
-        </p:blipFill>
-        <p:spPr>
-          <a:xfrm>
-            <a:off x="5876567" y="3013353"/>
-            <a:ext cx="6634465" cy="569177"/>
+            <a:off x="4330039" y="3505439"/>
+            <a:ext cx="9627919" cy="5329482"/>
           </a:xfrm>
           <a:prstGeom prst="rect">
             <a:avLst/>
@@ -5365,7 +5303,7 @@
     </p:spTree>
     <p:extLst>
       <p:ext uri="{BB962C8B-B14F-4D97-AF65-F5344CB8AC3E}">
-        <p14:creationId xmlns:p14="http://schemas.microsoft.com/office/powerpoint/2010/main" val="3162837087"/>
+        <p14:creationId xmlns:p14="http://schemas.microsoft.com/office/powerpoint/2010/main" val="2948765064"/>
       </p:ext>
     </p:extLst>
   </p:cSld>
@@ -5644,16 +5582,7 @@
                 </a:solidFill>
                 <a:latin typeface="Pretendard" pitchFamily="34" charset="0"/>
               </a:rPr>
-              <a:t>수치적 기울기 </a:t>
-            </a:r>
-            <a:r>
-              <a:rPr lang="en-US" altLang="ko-KR" sz="4800" kern="0" spc="-100" dirty="0">
-                <a:solidFill>
-                  <a:srgbClr val="11359A"/>
-                </a:solidFill>
-                <a:latin typeface="Pretendard" pitchFamily="34" charset="0"/>
-              </a:rPr>
-              <a:t>Numerical Gradient</a:t>
+              <a:t>학습 관점에서 본 심층 신경망</a:t>
             </a:r>
             <a:endParaRPr lang="en-US" sz="4800" dirty="0"/>
           </a:p>
@@ -5700,7 +5629,7 @@
           <p:cNvPr id="4" name="그림 3">
             <a:extLst>
               <a:ext uri="{FF2B5EF4-FFF2-40B4-BE49-F238E27FC236}">
-                <a16:creationId xmlns:a16="http://schemas.microsoft.com/office/drawing/2014/main" id="{FCC562B0-9122-1312-E10D-B7CD69E7E96E}"/>
+                <a16:creationId xmlns:a16="http://schemas.microsoft.com/office/drawing/2014/main" id="{B57B58F7-E5DD-1A33-31A0-BF74B5FB5F54}"/>
               </a:ext>
             </a:extLst>
           </p:cNvPr>
@@ -5717,8 +5646,38 @@
         </p:blipFill>
         <p:spPr>
           <a:xfrm>
-            <a:off x="2702308" y="4438950"/>
-            <a:ext cx="12809208" cy="3462459"/>
+            <a:off x="3355819" y="4474653"/>
+            <a:ext cx="11576359" cy="3391054"/>
+          </a:xfrm>
+          <a:prstGeom prst="rect">
+            <a:avLst/>
+          </a:prstGeom>
+        </p:spPr>
+      </p:pic>
+      <p:pic>
+        <p:nvPicPr>
+          <p:cNvPr id="6" name="그림 5">
+            <a:extLst>
+              <a:ext uri="{FF2B5EF4-FFF2-40B4-BE49-F238E27FC236}">
+                <a16:creationId xmlns:a16="http://schemas.microsoft.com/office/drawing/2014/main" id="{09ED4288-5EFC-A247-FFF6-90E869107E44}"/>
+              </a:ext>
+            </a:extLst>
+          </p:cNvPr>
+          <p:cNvPicPr>
+            <a:picLocks noChangeAspect="1"/>
+          </p:cNvPicPr>
+          <p:nvPr/>
+        </p:nvPicPr>
+        <p:blipFill>
+          <a:blip r:embed="rId4"/>
+          <a:stretch>
+            <a:fillRect/>
+          </a:stretch>
+        </p:blipFill>
+        <p:spPr>
+          <a:xfrm>
+            <a:off x="13487400" y="4100580"/>
+            <a:ext cx="609600" cy="374073"/>
           </a:xfrm>
           <a:prstGeom prst="rect">
             <a:avLst/>
@@ -5728,7 +5687,7 @@
     </p:spTree>
     <p:extLst>
       <p:ext uri="{BB962C8B-B14F-4D97-AF65-F5344CB8AC3E}">
-        <p14:creationId xmlns:p14="http://schemas.microsoft.com/office/powerpoint/2010/main" val="4194298663"/>
+        <p14:creationId xmlns:p14="http://schemas.microsoft.com/office/powerpoint/2010/main" val="2039020965"/>
       </p:ext>
     </p:extLst>
   </p:cSld>
@@ -5832,7 +5791,7 @@
                 </a:solidFill>
                 <a:latin typeface="Pretendard" pitchFamily="34" charset="0"/>
               </a:rPr>
-              <a:t>블랙박스 모델의 수치적 기울기</a:t>
+              <a:t>심층신경망의 연쇄 법칙</a:t>
             </a:r>
             <a:endParaRPr lang="en-US" sz="4800" dirty="0"/>
           </a:p>
@@ -5867,7 +5826,6 @@
                   <a:srgbClr val="000000"/>
                 </a:solidFill>
                 <a:latin typeface="Pretendard" pitchFamily="34" charset="0"/>
-                <a:cs typeface="Pretendard" pitchFamily="34" charset="0"/>
               </a:rPr>
               <a:t>21</a:t>
             </a:r>
@@ -5877,10 +5835,10 @@
       </p:sp>
       <p:pic>
         <p:nvPicPr>
-          <p:cNvPr id="3" name="그림 2">
+          <p:cNvPr id="8" name="그림 7">
             <a:extLst>
               <a:ext uri="{FF2B5EF4-FFF2-40B4-BE49-F238E27FC236}">
-                <a16:creationId xmlns:a16="http://schemas.microsoft.com/office/drawing/2014/main" id="{9C7D1397-CD6E-0FC2-A4AE-7C26A3DA6137}"/>
+                <a16:creationId xmlns:a16="http://schemas.microsoft.com/office/drawing/2014/main" id="{B460C651-3EB1-2866-F3B8-BF49E7549DFC}"/>
               </a:ext>
             </a:extLst>
           </p:cNvPr>
@@ -5897,8 +5855,8 @@
         </p:blipFill>
         <p:spPr>
           <a:xfrm>
-            <a:off x="4580028" y="4081755"/>
-            <a:ext cx="9127942" cy="4176849"/>
+            <a:off x="3399687" y="3912658"/>
+            <a:ext cx="11488623" cy="4515044"/>
           </a:xfrm>
           <a:prstGeom prst="rect">
             <a:avLst/>
@@ -5908,7 +5866,7 @@
     </p:spTree>
     <p:extLst>
       <p:ext uri="{BB962C8B-B14F-4D97-AF65-F5344CB8AC3E}">
-        <p14:creationId xmlns:p14="http://schemas.microsoft.com/office/powerpoint/2010/main" val="2544524487"/>
+        <p14:creationId xmlns:p14="http://schemas.microsoft.com/office/powerpoint/2010/main" val="2067629110"/>
       </p:ext>
     </p:extLst>
   </p:cSld>
@@ -6006,13 +5964,22 @@
           <a:p>
             <a:pPr algn="ctr"/>
             <a:r>
-              <a:rPr lang="ko-KR" altLang="en-US" sz="4800" kern="0" spc="-100" dirty="0">
+              <a:rPr lang="ko-KR" altLang="en-US" sz="4800" kern="0" spc="-100" dirty="0" err="1">
                 <a:solidFill>
                   <a:srgbClr val="11359A"/>
                 </a:solidFill>
                 <a:latin typeface="Pretendard" pitchFamily="34" charset="0"/>
               </a:rPr>
-              <a:t>블랙박스 모델의 수치적 기울기</a:t>
+              <a:t>역전파</a:t>
+            </a:r>
+            <a:r>
+              <a:rPr lang="ko-KR" altLang="en-US" sz="4800" kern="0" spc="-100" dirty="0">
+                <a:solidFill>
+                  <a:srgbClr val="11359A"/>
+                </a:solidFill>
+                <a:latin typeface="Pretendard" pitchFamily="34" charset="0"/>
+              </a:rPr>
+              <a:t> 알고리즘</a:t>
             </a:r>
             <a:endParaRPr lang="en-US" sz="4800" dirty="0"/>
           </a:p>
@@ -6047,7 +6014,6 @@
                   <a:srgbClr val="000000"/>
                 </a:solidFill>
                 <a:latin typeface="Pretendard" pitchFamily="34" charset="0"/>
-                <a:cs typeface="Pretendard" pitchFamily="34" charset="0"/>
               </a:rPr>
               <a:t>22</a:t>
             </a:r>
@@ -6057,10 +6023,10 @@
       </p:sp>
       <p:pic>
         <p:nvPicPr>
-          <p:cNvPr id="4" name="그림 3">
+          <p:cNvPr id="3" name="그림 2">
             <a:extLst>
               <a:ext uri="{FF2B5EF4-FFF2-40B4-BE49-F238E27FC236}">
-                <a16:creationId xmlns:a16="http://schemas.microsoft.com/office/drawing/2014/main" id="{08AC547C-0D26-12BB-12B1-1F7A955E2729}"/>
+                <a16:creationId xmlns:a16="http://schemas.microsoft.com/office/drawing/2014/main" id="{3BA174D9-3878-D551-49B9-FC128DDBC01C}"/>
               </a:ext>
             </a:extLst>
           </p:cNvPr>
@@ -6077,8 +6043,8 @@
         </p:blipFill>
         <p:spPr>
           <a:xfrm>
-            <a:off x="3159067" y="3981718"/>
-            <a:ext cx="11969864" cy="4376923"/>
+            <a:off x="3199982" y="3816084"/>
+            <a:ext cx="11888033" cy="4708191"/>
           </a:xfrm>
           <a:prstGeom prst="rect">
             <a:avLst/>
@@ -6088,7 +6054,7 @@
     </p:spTree>
     <p:extLst>
       <p:ext uri="{BB962C8B-B14F-4D97-AF65-F5344CB8AC3E}">
-        <p14:creationId xmlns:p14="http://schemas.microsoft.com/office/powerpoint/2010/main" val="2073963897"/>
+        <p14:creationId xmlns:p14="http://schemas.microsoft.com/office/powerpoint/2010/main" val="9544574"/>
       </p:ext>
     </p:extLst>
   </p:cSld>
@@ -6186,13 +6152,22 @@
           <a:p>
             <a:pPr algn="ctr"/>
             <a:r>
-              <a:rPr lang="ko-KR" altLang="en-US" sz="4800" kern="0" spc="-100" dirty="0">
+              <a:rPr lang="ko-KR" altLang="en-US" sz="4800" kern="0" spc="-100" dirty="0" err="1">
                 <a:solidFill>
                   <a:srgbClr val="11359A"/>
                 </a:solidFill>
                 <a:latin typeface="Pretendard" pitchFamily="34" charset="0"/>
               </a:rPr>
-              <a:t>합성 함수로서의 심층 신경망</a:t>
+              <a:t>역전파</a:t>
+            </a:r>
+            <a:r>
+              <a:rPr lang="ko-KR" altLang="en-US" sz="4800" kern="0" spc="-100" dirty="0">
+                <a:solidFill>
+                  <a:srgbClr val="11359A"/>
+                </a:solidFill>
+                <a:latin typeface="Pretendard" pitchFamily="34" charset="0"/>
+              </a:rPr>
+              <a:t> 학습법의 필요성</a:t>
             </a:r>
             <a:endParaRPr lang="en-US" sz="4800" dirty="0"/>
           </a:p>
@@ -6239,7 +6214,7 @@
           <p:cNvPr id="3" name="그림 2">
             <a:extLst>
               <a:ext uri="{FF2B5EF4-FFF2-40B4-BE49-F238E27FC236}">
-                <a16:creationId xmlns:a16="http://schemas.microsoft.com/office/drawing/2014/main" id="{B8746C1E-BFE1-61E8-15BB-A80864937112}"/>
+                <a16:creationId xmlns:a16="http://schemas.microsoft.com/office/drawing/2014/main" id="{5F434AB6-FAB5-AABA-8A26-7A60BC2D50FF}"/>
               </a:ext>
             </a:extLst>
           </p:cNvPr>
@@ -6256,8 +6231,68 @@
         </p:blipFill>
         <p:spPr>
           <a:xfrm>
-            <a:off x="4330039" y="3505439"/>
-            <a:ext cx="9627919" cy="5329482"/>
+            <a:off x="3478799" y="5430051"/>
+            <a:ext cx="5715000" cy="2092449"/>
+          </a:xfrm>
+          <a:prstGeom prst="rect">
+            <a:avLst/>
+          </a:prstGeom>
+        </p:spPr>
+      </p:pic>
+      <p:pic>
+        <p:nvPicPr>
+          <p:cNvPr id="6" name="그림 5">
+            <a:extLst>
+              <a:ext uri="{FF2B5EF4-FFF2-40B4-BE49-F238E27FC236}">
+                <a16:creationId xmlns:a16="http://schemas.microsoft.com/office/drawing/2014/main" id="{14588AE5-CE1B-F376-0383-6E487CF15CE4}"/>
+              </a:ext>
+            </a:extLst>
+          </p:cNvPr>
+          <p:cNvPicPr>
+            <a:picLocks noChangeAspect="1"/>
+          </p:cNvPicPr>
+          <p:nvPr/>
+        </p:nvPicPr>
+        <p:blipFill>
+          <a:blip r:embed="rId4"/>
+          <a:stretch>
+            <a:fillRect/>
+          </a:stretch>
+        </p:blipFill>
+        <p:spPr>
+          <a:xfrm>
+            <a:off x="9677400" y="3625542"/>
+            <a:ext cx="5424692" cy="5654402"/>
+          </a:xfrm>
+          <a:prstGeom prst="rect">
+            <a:avLst/>
+          </a:prstGeom>
+        </p:spPr>
+      </p:pic>
+      <p:pic>
+        <p:nvPicPr>
+          <p:cNvPr id="8" name="그림 7">
+            <a:extLst>
+              <a:ext uri="{FF2B5EF4-FFF2-40B4-BE49-F238E27FC236}">
+                <a16:creationId xmlns:a16="http://schemas.microsoft.com/office/drawing/2014/main" id="{5F7B31EF-71F4-9A06-0ED4-60EB4534042A}"/>
+              </a:ext>
+            </a:extLst>
+          </p:cNvPr>
+          <p:cNvPicPr>
+            <a:picLocks noChangeAspect="1"/>
+          </p:cNvPicPr>
+          <p:nvPr/>
+        </p:nvPicPr>
+        <p:blipFill>
+          <a:blip r:embed="rId5"/>
+          <a:stretch>
+            <a:fillRect/>
+          </a:stretch>
+        </p:blipFill>
+        <p:spPr>
+          <a:xfrm>
+            <a:off x="5876567" y="3013353"/>
+            <a:ext cx="6634465" cy="569177"/>
           </a:xfrm>
           <a:prstGeom prst="rect">
             <a:avLst/>
@@ -6267,7 +6302,7 @@
     </p:spTree>
     <p:extLst>
       <p:ext uri="{BB962C8B-B14F-4D97-AF65-F5344CB8AC3E}">
-        <p14:creationId xmlns:p14="http://schemas.microsoft.com/office/powerpoint/2010/main" val="2948765064"/>
+        <p14:creationId xmlns:p14="http://schemas.microsoft.com/office/powerpoint/2010/main" val="3162837087"/>
       </p:ext>
     </p:extLst>
   </p:cSld>
@@ -6371,7 +6406,16 @@
                 </a:solidFill>
                 <a:latin typeface="Pretendard" pitchFamily="34" charset="0"/>
               </a:rPr>
-              <a:t>학습 관점에서 본 심층 신경망</a:t>
+              <a:t>수치적 기울기 </a:t>
+            </a:r>
+            <a:r>
+              <a:rPr lang="en-US" altLang="ko-KR" sz="4800" kern="0" spc="-100" dirty="0">
+                <a:solidFill>
+                  <a:srgbClr val="11359A"/>
+                </a:solidFill>
+                <a:latin typeface="Pretendard" pitchFamily="34" charset="0"/>
+              </a:rPr>
+              <a:t>Numerical Gradient</a:t>
             </a:r>
             <a:endParaRPr lang="en-US" sz="4800" dirty="0"/>
           </a:p>
@@ -6418,7 +6462,7 @@
           <p:cNvPr id="4" name="그림 3">
             <a:extLst>
               <a:ext uri="{FF2B5EF4-FFF2-40B4-BE49-F238E27FC236}">
-                <a16:creationId xmlns:a16="http://schemas.microsoft.com/office/drawing/2014/main" id="{B57B58F7-E5DD-1A33-31A0-BF74B5FB5F54}"/>
+                <a16:creationId xmlns:a16="http://schemas.microsoft.com/office/drawing/2014/main" id="{FCC562B0-9122-1312-E10D-B7CD69E7E96E}"/>
               </a:ext>
             </a:extLst>
           </p:cNvPr>
@@ -6435,38 +6479,8 @@
         </p:blipFill>
         <p:spPr>
           <a:xfrm>
-            <a:off x="3355819" y="4474653"/>
-            <a:ext cx="11576359" cy="3391054"/>
-          </a:xfrm>
-          <a:prstGeom prst="rect">
-            <a:avLst/>
-          </a:prstGeom>
-        </p:spPr>
-      </p:pic>
-      <p:pic>
-        <p:nvPicPr>
-          <p:cNvPr id="6" name="그림 5">
-            <a:extLst>
-              <a:ext uri="{FF2B5EF4-FFF2-40B4-BE49-F238E27FC236}">
-                <a16:creationId xmlns:a16="http://schemas.microsoft.com/office/drawing/2014/main" id="{09ED4288-5EFC-A247-FFF6-90E869107E44}"/>
-              </a:ext>
-            </a:extLst>
-          </p:cNvPr>
-          <p:cNvPicPr>
-            <a:picLocks noChangeAspect="1"/>
-          </p:cNvPicPr>
-          <p:nvPr/>
-        </p:nvPicPr>
-        <p:blipFill>
-          <a:blip r:embed="rId4"/>
-          <a:stretch>
-            <a:fillRect/>
-          </a:stretch>
-        </p:blipFill>
-        <p:spPr>
-          <a:xfrm>
-            <a:off x="13487400" y="4100580"/>
-            <a:ext cx="609600" cy="374073"/>
+            <a:off x="2702308" y="4438950"/>
+            <a:ext cx="12809208" cy="3462459"/>
           </a:xfrm>
           <a:prstGeom prst="rect">
             <a:avLst/>
@@ -6476,7 +6490,7 @@
     </p:spTree>
     <p:extLst>
       <p:ext uri="{BB962C8B-B14F-4D97-AF65-F5344CB8AC3E}">
-        <p14:creationId xmlns:p14="http://schemas.microsoft.com/office/powerpoint/2010/main" val="2039020965"/>
+        <p14:creationId xmlns:p14="http://schemas.microsoft.com/office/powerpoint/2010/main" val="4194298663"/>
       </p:ext>
     </p:extLst>
   </p:cSld>
@@ -6580,7 +6594,7 @@
                 </a:solidFill>
                 <a:latin typeface="Pretendard" pitchFamily="34" charset="0"/>
               </a:rPr>
-              <a:t>심층신경망의 연쇄 법칙</a:t>
+              <a:t>블랙박스 모델의 수치적 기울기</a:t>
             </a:r>
             <a:endParaRPr lang="en-US" sz="4800" dirty="0"/>
           </a:p>
@@ -6615,6 +6629,7 @@
                   <a:srgbClr val="000000"/>
                 </a:solidFill>
                 <a:latin typeface="Pretendard" pitchFamily="34" charset="0"/>
+                <a:cs typeface="Pretendard" pitchFamily="34" charset="0"/>
               </a:rPr>
               <a:t>25</a:t>
             </a:r>
@@ -6624,10 +6639,10 @@
       </p:sp>
       <p:pic>
         <p:nvPicPr>
-          <p:cNvPr id="8" name="그림 7">
+          <p:cNvPr id="3" name="그림 2">
             <a:extLst>
               <a:ext uri="{FF2B5EF4-FFF2-40B4-BE49-F238E27FC236}">
-                <a16:creationId xmlns:a16="http://schemas.microsoft.com/office/drawing/2014/main" id="{B460C651-3EB1-2866-F3B8-BF49E7549DFC}"/>
+                <a16:creationId xmlns:a16="http://schemas.microsoft.com/office/drawing/2014/main" id="{9C7D1397-CD6E-0FC2-A4AE-7C26A3DA6137}"/>
               </a:ext>
             </a:extLst>
           </p:cNvPr>
@@ -6644,8 +6659,8 @@
         </p:blipFill>
         <p:spPr>
           <a:xfrm>
-            <a:off x="3399687" y="3912658"/>
-            <a:ext cx="11488623" cy="4515044"/>
+            <a:off x="4580028" y="4081755"/>
+            <a:ext cx="9127942" cy="4176849"/>
           </a:xfrm>
           <a:prstGeom prst="rect">
             <a:avLst/>
@@ -6655,7 +6670,7 @@
     </p:spTree>
     <p:extLst>
       <p:ext uri="{BB962C8B-B14F-4D97-AF65-F5344CB8AC3E}">
-        <p14:creationId xmlns:p14="http://schemas.microsoft.com/office/powerpoint/2010/main" val="2067629110"/>
+        <p14:creationId xmlns:p14="http://schemas.microsoft.com/office/powerpoint/2010/main" val="2544524487"/>
       </p:ext>
     </p:extLst>
   </p:cSld>
@@ -6753,22 +6768,13 @@
           <a:p>
             <a:pPr algn="ctr"/>
             <a:r>
-              <a:rPr lang="ko-KR" altLang="en-US" sz="4800" kern="0" spc="-100" dirty="0" err="1">
+              <a:rPr lang="ko-KR" altLang="en-US" sz="4800" kern="0" spc="-100" dirty="0">
                 <a:solidFill>
                   <a:srgbClr val="11359A"/>
                 </a:solidFill>
                 <a:latin typeface="Pretendard" pitchFamily="34" charset="0"/>
               </a:rPr>
-              <a:t>전결합</a:t>
-            </a:r>
-            <a:r>
-              <a:rPr lang="ko-KR" altLang="en-US" sz="4800" kern="0" spc="-100" dirty="0">
-                <a:solidFill>
-                  <a:srgbClr val="11359A"/>
-                </a:solidFill>
-                <a:latin typeface="Pretendard" pitchFamily="34" charset="0"/>
-              </a:rPr>
-              <a:t> 계층의 미분</a:t>
+              <a:t>블랙박스 모델의 수치적 기울기</a:t>
             </a:r>
             <a:endParaRPr lang="en-US" sz="4800" dirty="0"/>
           </a:p>
@@ -6803,6 +6809,7 @@
                   <a:srgbClr val="000000"/>
                 </a:solidFill>
                 <a:latin typeface="Pretendard" pitchFamily="34" charset="0"/>
+                <a:cs typeface="Pretendard" pitchFamily="34" charset="0"/>
               </a:rPr>
               <a:t>26</a:t>
             </a:r>
@@ -6812,10 +6819,10 @@
       </p:sp>
       <p:pic>
         <p:nvPicPr>
-          <p:cNvPr id="3" name="그림 2">
+          <p:cNvPr id="4" name="그림 3">
             <a:extLst>
               <a:ext uri="{FF2B5EF4-FFF2-40B4-BE49-F238E27FC236}">
-                <a16:creationId xmlns:a16="http://schemas.microsoft.com/office/drawing/2014/main" id="{E74AFFCD-2126-1CAF-3DDA-5B6773FBB0E4}"/>
+                <a16:creationId xmlns:a16="http://schemas.microsoft.com/office/drawing/2014/main" id="{08AC547C-0D26-12BB-12B1-1F7A955E2729}"/>
               </a:ext>
             </a:extLst>
           </p:cNvPr>
@@ -6832,8 +6839,38 @@
         </p:blipFill>
         <p:spPr>
           <a:xfrm>
-            <a:off x="4038600" y="3822163"/>
-            <a:ext cx="11067088" cy="4696034"/>
+            <a:off x="3159066" y="3614553"/>
+            <a:ext cx="11969864" cy="4376923"/>
+          </a:xfrm>
+          <a:prstGeom prst="rect">
+            <a:avLst/>
+          </a:prstGeom>
+        </p:spPr>
+      </p:pic>
+      <p:pic>
+        <p:nvPicPr>
+          <p:cNvPr id="3" name="그림 2">
+            <a:extLst>
+              <a:ext uri="{FF2B5EF4-FFF2-40B4-BE49-F238E27FC236}">
+                <a16:creationId xmlns:a16="http://schemas.microsoft.com/office/drawing/2014/main" id="{A3729DD9-3AE3-2A4C-BB5C-BAFC464AA429}"/>
+              </a:ext>
+            </a:extLst>
+          </p:cNvPr>
+          <p:cNvPicPr>
+            <a:picLocks noChangeAspect="1"/>
+          </p:cNvPicPr>
+          <p:nvPr/>
+        </p:nvPicPr>
+        <p:blipFill>
+          <a:blip r:embed="rId4"/>
+          <a:stretch>
+            <a:fillRect/>
+          </a:stretch>
+        </p:blipFill>
+        <p:spPr>
+          <a:xfrm>
+            <a:off x="4824211" y="8351150"/>
+            <a:ext cx="8639578" cy="825273"/>
           </a:xfrm>
           <a:prstGeom prst="rect">
             <a:avLst/>
@@ -6843,7 +6880,7 @@
     </p:spTree>
     <p:extLst>
       <p:ext uri="{BB962C8B-B14F-4D97-AF65-F5344CB8AC3E}">
-        <p14:creationId xmlns:p14="http://schemas.microsoft.com/office/powerpoint/2010/main" val="1633599311"/>
+        <p14:creationId xmlns:p14="http://schemas.microsoft.com/office/powerpoint/2010/main" val="2073963897"/>
       </p:ext>
     </p:extLst>
   </p:cSld>
@@ -6854,382 +6891,6 @@
 </file>
 
 <file path=ppt/slides/slide27.xml><?xml version="1.0" encoding="utf-8"?>
-<p:sld xmlns:a="http://schemas.openxmlformats.org/drawingml/2006/main" xmlns:r="http://schemas.openxmlformats.org/officeDocument/2006/relationships" xmlns:p="http://schemas.openxmlformats.org/presentationml/2006/main">
-  <p:cSld>
-    <p:bg>
-      <p:bgPr>
-        <a:solidFill>
-          <a:srgbClr val="F4F3F3"/>
-        </a:solidFill>
-        <a:effectLst/>
-      </p:bgPr>
-    </p:bg>
-    <p:spTree>
-      <p:nvGrpSpPr>
-        <p:cNvPr id="1" name=""/>
-        <p:cNvGrpSpPr/>
-        <p:nvPr/>
-      </p:nvGrpSpPr>
-      <p:grpSpPr>
-        <a:xfrm>
-          <a:off x="0" y="0"/>
-          <a:ext cx="0" cy="0"/>
-          <a:chOff x="0" y="0"/>
-          <a:chExt cx="0" cy="0"/>
-        </a:xfrm>
-      </p:grpSpPr>
-      <p:grpSp>
-        <p:nvGrpSpPr>
-          <p:cNvPr id="1008" name="그룹 1008"/>
-          <p:cNvGrpSpPr/>
-          <p:nvPr/>
-        </p:nvGrpSpPr>
-        <p:grpSpPr>
-          <a:xfrm>
-            <a:off x="2702308" y="2970340"/>
-            <a:ext cx="12883384" cy="6399681"/>
-            <a:chOff x="2432816" y="3013305"/>
-            <a:chExt cx="7051865" cy="5939076"/>
-          </a:xfrm>
-        </p:grpSpPr>
-        <p:pic>
-          <p:nvPicPr>
-            <p:cNvPr id="26" name="Object 25"/>
-            <p:cNvPicPr>
-              <a:picLocks noChangeAspect="1"/>
-            </p:cNvPicPr>
-            <p:nvPr/>
-          </p:nvPicPr>
-          <p:blipFill>
-            <a:blip r:embed="rId2" cstate="print"/>
-            <a:stretch>
-              <a:fillRect/>
-            </a:stretch>
-          </p:blipFill>
-          <p:spPr>
-            <a:xfrm>
-              <a:off x="2432816" y="3013305"/>
-              <a:ext cx="7051865" cy="5939076"/>
-            </a:xfrm>
-            <a:prstGeom prst="rect">
-              <a:avLst/>
-            </a:prstGeom>
-          </p:spPr>
-        </p:pic>
-      </p:grpSp>
-      <p:sp>
-        <p:nvSpPr>
-          <p:cNvPr id="35" name="Object 35"/>
-          <p:cNvSpPr txBox="1"/>
-          <p:nvPr/>
-        </p:nvSpPr>
-        <p:spPr>
-          <a:xfrm>
-            <a:off x="2198635" y="1367032"/>
-            <a:ext cx="13890729" cy="830997"/>
-          </a:xfrm>
-          <a:prstGeom prst="rect">
-            <a:avLst/>
-          </a:prstGeom>
-          <a:noFill/>
-        </p:spPr>
-        <p:txBody>
-          <a:bodyPr wrap="square" rtlCol="0" anchor="t">
-            <a:spAutoFit/>
-          </a:bodyPr>
-          <a:lstStyle/>
-          <a:p>
-            <a:pPr algn="ctr"/>
-            <a:r>
-              <a:rPr lang="ko-KR" altLang="en-US" sz="4800" kern="0" spc="-100" dirty="0" err="1">
-                <a:solidFill>
-                  <a:srgbClr val="11359A"/>
-                </a:solidFill>
-                <a:latin typeface="Pretendard" pitchFamily="34" charset="0"/>
-              </a:rPr>
-              <a:t>전결합</a:t>
-            </a:r>
-            <a:r>
-              <a:rPr lang="ko-KR" altLang="en-US" sz="4800" kern="0" spc="-100" dirty="0">
-                <a:solidFill>
-                  <a:srgbClr val="11359A"/>
-                </a:solidFill>
-                <a:latin typeface="Pretendard" pitchFamily="34" charset="0"/>
-              </a:rPr>
-              <a:t> 계층의 미분</a:t>
-            </a:r>
-            <a:endParaRPr lang="en-US" sz="4800" dirty="0"/>
-          </a:p>
-        </p:txBody>
-      </p:sp>
-      <p:sp>
-        <p:nvSpPr>
-          <p:cNvPr id="36" name="Object 36"/>
-          <p:cNvSpPr txBox="1"/>
-          <p:nvPr/>
-        </p:nvSpPr>
-        <p:spPr>
-          <a:xfrm>
-            <a:off x="16937001" y="9455550"/>
-            <a:ext cx="617569" cy="307777"/>
-          </a:xfrm>
-          <a:prstGeom prst="rect">
-            <a:avLst/>
-          </a:prstGeom>
-          <a:noFill/>
-        </p:spPr>
-        <p:txBody>
-          <a:bodyPr wrap="square" rtlCol="0" anchor="b">
-            <a:spAutoFit/>
-          </a:bodyPr>
-          <a:lstStyle/>
-          <a:p>
-            <a:pPr algn="r"/>
-            <a:r>
-              <a:rPr lang="en-US" sz="1400" dirty="0">
-                <a:solidFill>
-                  <a:srgbClr val="000000"/>
-                </a:solidFill>
-                <a:latin typeface="Pretendard" pitchFamily="34" charset="0"/>
-              </a:rPr>
-              <a:t>27</a:t>
-            </a:r>
-            <a:endParaRPr lang="en-US" dirty="0"/>
-          </a:p>
-        </p:txBody>
-      </p:sp>
-      <p:pic>
-        <p:nvPicPr>
-          <p:cNvPr id="4" name="그림 3">
-            <a:extLst>
-              <a:ext uri="{FF2B5EF4-FFF2-40B4-BE49-F238E27FC236}">
-                <a16:creationId xmlns:a16="http://schemas.microsoft.com/office/drawing/2014/main" id="{F88F1F37-C2CD-036A-9CE7-280A97B0ADC3}"/>
-              </a:ext>
-            </a:extLst>
-          </p:cNvPr>
-          <p:cNvPicPr>
-            <a:picLocks noChangeAspect="1"/>
-          </p:cNvPicPr>
-          <p:nvPr/>
-        </p:nvPicPr>
-        <p:blipFill>
-          <a:blip r:embed="rId3"/>
-          <a:stretch>
-            <a:fillRect/>
-          </a:stretch>
-        </p:blipFill>
-        <p:spPr>
-          <a:xfrm>
-            <a:off x="4724400" y="3695700"/>
-            <a:ext cx="9994355" cy="4900361"/>
-          </a:xfrm>
-          <a:prstGeom prst="rect">
-            <a:avLst/>
-          </a:prstGeom>
-        </p:spPr>
-      </p:pic>
-    </p:spTree>
-    <p:extLst>
-      <p:ext uri="{BB962C8B-B14F-4D97-AF65-F5344CB8AC3E}">
-        <p14:creationId xmlns:p14="http://schemas.microsoft.com/office/powerpoint/2010/main" val="1410016460"/>
-      </p:ext>
-    </p:extLst>
-  </p:cSld>
-  <p:clrMapOvr>
-    <a:masterClrMapping/>
-  </p:clrMapOvr>
-</p:sld>
-</file>
-
-<file path=ppt/slides/slide28.xml><?xml version="1.0" encoding="utf-8"?>
-<p:sld xmlns:a="http://schemas.openxmlformats.org/drawingml/2006/main" xmlns:r="http://schemas.openxmlformats.org/officeDocument/2006/relationships" xmlns:p="http://schemas.openxmlformats.org/presentationml/2006/main">
-  <p:cSld>
-    <p:bg>
-      <p:bgPr>
-        <a:solidFill>
-          <a:srgbClr val="F4F3F3"/>
-        </a:solidFill>
-        <a:effectLst/>
-      </p:bgPr>
-    </p:bg>
-    <p:spTree>
-      <p:nvGrpSpPr>
-        <p:cNvPr id="1" name=""/>
-        <p:cNvGrpSpPr/>
-        <p:nvPr/>
-      </p:nvGrpSpPr>
-      <p:grpSpPr>
-        <a:xfrm>
-          <a:off x="0" y="0"/>
-          <a:ext cx="0" cy="0"/>
-          <a:chOff x="0" y="0"/>
-          <a:chExt cx="0" cy="0"/>
-        </a:xfrm>
-      </p:grpSpPr>
-      <p:grpSp>
-        <p:nvGrpSpPr>
-          <p:cNvPr id="1008" name="그룹 1008"/>
-          <p:cNvGrpSpPr/>
-          <p:nvPr/>
-        </p:nvGrpSpPr>
-        <p:grpSpPr>
-          <a:xfrm>
-            <a:off x="2702308" y="2970340"/>
-            <a:ext cx="12883384" cy="6399681"/>
-            <a:chOff x="2432816" y="3013305"/>
-            <a:chExt cx="7051865" cy="5939076"/>
-          </a:xfrm>
-        </p:grpSpPr>
-        <p:pic>
-          <p:nvPicPr>
-            <p:cNvPr id="26" name="Object 25"/>
-            <p:cNvPicPr>
-              <a:picLocks noChangeAspect="1"/>
-            </p:cNvPicPr>
-            <p:nvPr/>
-          </p:nvPicPr>
-          <p:blipFill>
-            <a:blip r:embed="rId2" cstate="print"/>
-            <a:stretch>
-              <a:fillRect/>
-            </a:stretch>
-          </p:blipFill>
-          <p:spPr>
-            <a:xfrm>
-              <a:off x="2432816" y="3013305"/>
-              <a:ext cx="7051865" cy="5939076"/>
-            </a:xfrm>
-            <a:prstGeom prst="rect">
-              <a:avLst/>
-            </a:prstGeom>
-          </p:spPr>
-        </p:pic>
-      </p:grpSp>
-      <p:sp>
-        <p:nvSpPr>
-          <p:cNvPr id="35" name="Object 35"/>
-          <p:cNvSpPr txBox="1"/>
-          <p:nvPr/>
-        </p:nvSpPr>
-        <p:spPr>
-          <a:xfrm>
-            <a:off x="2198635" y="1367032"/>
-            <a:ext cx="13890729" cy="830997"/>
-          </a:xfrm>
-          <a:prstGeom prst="rect">
-            <a:avLst/>
-          </a:prstGeom>
-          <a:noFill/>
-        </p:spPr>
-        <p:txBody>
-          <a:bodyPr wrap="square" rtlCol="0" anchor="t">
-            <a:spAutoFit/>
-          </a:bodyPr>
-          <a:lstStyle/>
-          <a:p>
-            <a:pPr algn="ctr"/>
-            <a:r>
-              <a:rPr lang="ko-KR" altLang="en-US" sz="4800" kern="0" spc="-100" dirty="0" err="1">
-                <a:solidFill>
-                  <a:srgbClr val="11359A"/>
-                </a:solidFill>
-                <a:latin typeface="Pretendard" pitchFamily="34" charset="0"/>
-              </a:rPr>
-              <a:t>전결합</a:t>
-            </a:r>
-            <a:r>
-              <a:rPr lang="ko-KR" altLang="en-US" sz="4800" kern="0" spc="-100" dirty="0">
-                <a:solidFill>
-                  <a:srgbClr val="11359A"/>
-                </a:solidFill>
-                <a:latin typeface="Pretendard" pitchFamily="34" charset="0"/>
-              </a:rPr>
-              <a:t> 계층의 미분</a:t>
-            </a:r>
-            <a:endParaRPr lang="en-US" sz="4800" dirty="0"/>
-          </a:p>
-        </p:txBody>
-      </p:sp>
-      <p:sp>
-        <p:nvSpPr>
-          <p:cNvPr id="36" name="Object 36"/>
-          <p:cNvSpPr txBox="1"/>
-          <p:nvPr/>
-        </p:nvSpPr>
-        <p:spPr>
-          <a:xfrm>
-            <a:off x="16937001" y="9455550"/>
-            <a:ext cx="617569" cy="307777"/>
-          </a:xfrm>
-          <a:prstGeom prst="rect">
-            <a:avLst/>
-          </a:prstGeom>
-          <a:noFill/>
-        </p:spPr>
-        <p:txBody>
-          <a:bodyPr wrap="square" rtlCol="0" anchor="b">
-            <a:spAutoFit/>
-          </a:bodyPr>
-          <a:lstStyle/>
-          <a:p>
-            <a:pPr algn="r"/>
-            <a:r>
-              <a:rPr lang="en-US" sz="1400" dirty="0">
-                <a:solidFill>
-                  <a:srgbClr val="000000"/>
-                </a:solidFill>
-                <a:latin typeface="Pretendard" pitchFamily="34" charset="0"/>
-              </a:rPr>
-              <a:t>28</a:t>
-            </a:r>
-            <a:endParaRPr lang="en-US" dirty="0"/>
-          </a:p>
-        </p:txBody>
-      </p:sp>
-      <p:pic>
-        <p:nvPicPr>
-          <p:cNvPr id="3" name="그림 2">
-            <a:extLst>
-              <a:ext uri="{FF2B5EF4-FFF2-40B4-BE49-F238E27FC236}">
-                <a16:creationId xmlns:a16="http://schemas.microsoft.com/office/drawing/2014/main" id="{3BA174D9-3878-D551-49B9-FC128DDBC01C}"/>
-              </a:ext>
-            </a:extLst>
-          </p:cNvPr>
-          <p:cNvPicPr>
-            <a:picLocks noChangeAspect="1"/>
-          </p:cNvPicPr>
-          <p:nvPr/>
-        </p:nvPicPr>
-        <p:blipFill>
-          <a:blip r:embed="rId3"/>
-          <a:stretch>
-            <a:fillRect/>
-          </a:stretch>
-        </p:blipFill>
-        <p:spPr>
-          <a:xfrm>
-            <a:off x="3199982" y="3816084"/>
-            <a:ext cx="11888033" cy="4708191"/>
-          </a:xfrm>
-          <a:prstGeom prst="rect">
-            <a:avLst/>
-          </a:prstGeom>
-        </p:spPr>
-      </p:pic>
-    </p:spTree>
-    <p:extLst>
-      <p:ext uri="{BB962C8B-B14F-4D97-AF65-F5344CB8AC3E}">
-        <p14:creationId xmlns:p14="http://schemas.microsoft.com/office/powerpoint/2010/main" val="9544574"/>
-      </p:ext>
-    </p:extLst>
-  </p:cSld>
-  <p:clrMapOvr>
-    <a:masterClrMapping/>
-  </p:clrMapOvr>
-</p:sld>
-</file>
-
-<file path=ppt/slides/slide29.xml><?xml version="1.0" encoding="utf-8"?>
 <p:sld xmlns:a="http://schemas.openxmlformats.org/drawingml/2006/main" xmlns:r="http://schemas.openxmlformats.org/officeDocument/2006/relationships" xmlns:p="http://schemas.openxmlformats.org/presentationml/2006/main">
   <p:cSld name="Slide 12">
     <p:bg>
